--- a/Lectures/week 1/week 1 - Course Information 2022.pptx
+++ b/Lectures/week 1/week 1 - Course Information 2022.pptx
@@ -4837,7 +4837,6 @@
           <a:bodyPr/>
           <a:lstStyle/>
           <a:p>
-            <a:pPr eaLnBrk="1" hangingPunct="1"/>
             <a:r>
               <a:rPr lang="en-US" sz="3200" dirty="0"/>
               <a:t>Distributed Information Systems</a:t>
@@ -4881,7 +4880,11 @@
               <a:rPr lang="fr-CH" sz="2400" dirty="0">
                 <a:hlinkClick r:id="rId3"/>
               </a:rPr>
-              <a:t>https://epfl.zoom.us/j/96988744528</a:t>
+              <a:t>https://epfl.zoom.us/j/66237387610</a:t>
+            </a:r>
+            <a:r>
+              <a:rPr lang="fr-CH" sz="2400" dirty="0"/>
+              <a:t> </a:t>
             </a:r>
             <a:br>
               <a:rPr lang="fr-CH" sz="2400" dirty="0"/>
@@ -4891,11 +4894,11 @@
             </a:br>
             <a:r>
               <a:rPr lang="fr-CH" sz="2400" dirty="0"/>
-              <a:t>Exercise: </a:t>
+              <a:t>Exercise: Thursday</a:t>
             </a:r>
             <a:r>
               <a:rPr lang="en-GB" sz="2400" dirty="0"/>
-              <a:t>Monday </a:t>
+              <a:t> </a:t>
             </a:r>
             <a:r>
               <a:rPr lang="fr-CH" sz="2400" dirty="0"/>
@@ -5352,7 +5355,7 @@
             </a:pPr>
             <a:r>
               <a:rPr lang="en-US" dirty="0"/>
-              <a:t>2 Quizzes</a:t>
+              <a:t>1 Quiz</a:t>
             </a:r>
           </a:p>
           <a:p>
@@ -5921,7 +5924,7 @@
             <p:ph idx="1"/>
             <p:extLst>
               <p:ext uri="{D42A27DB-BD31-4B8C-83A1-F6EECF244321}">
-                <p14:modId xmlns:p14="http://schemas.microsoft.com/office/powerpoint/2010/main" val="584933990"/>
+                <p14:modId xmlns:p14="http://schemas.microsoft.com/office/powerpoint/2010/main" val="4151997152"/>
               </p:ext>
             </p:extLst>
           </p:nvPr>
@@ -6186,7 +6189,7 @@
                     <a:p>
                       <a:pPr algn="ctr" fontAlgn="b"/>
                       <a:r>
-                        <a:rPr lang="en-US" sz="1200" b="0" i="0" u="none" strike="noStrike">
+                        <a:rPr lang="en-US" sz="1200" b="0" i="0" u="none" strike="noStrike" dirty="0">
                           <a:solidFill>
                             <a:srgbClr val="000000"/>
                           </a:solidFill>
@@ -6211,7 +6214,9 @@
                       <a:noFill/>
                     </a:lnB>
                     <a:solidFill>
-                      <a:srgbClr val="D6DCE4"/>
+                      <a:schemeClr val="bg1">
+                        <a:lumMod val="95000"/>
+                      </a:schemeClr>
                     </a:solidFill>
                   </a:tcPr>
                 </a:tc>
@@ -6247,7 +6252,9 @@
                       <a:noFill/>
                     </a:lnB>
                     <a:solidFill>
-                      <a:srgbClr val="D6DCE4"/>
+                      <a:schemeClr val="bg1">
+                        <a:lumMod val="95000"/>
+                      </a:schemeClr>
                     </a:solidFill>
                   </a:tcPr>
                 </a:tc>
@@ -6283,186 +6290,10 @@
                       <a:noFill/>
                     </a:lnB>
                     <a:solidFill>
-                      <a:srgbClr val="D6DCE4"/>
+                      <a:schemeClr val="bg1">
+                        <a:lumMod val="95000"/>
+                      </a:schemeClr>
                     </a:solidFill>
-                  </a:tcPr>
-                </a:tc>
-                <a:tc>
-                  <a:txBody>
-                    <a:bodyPr/>
-                    <a:lstStyle/>
-                    <a:p>
-                      <a:pPr algn="l" fontAlgn="b"/>
-                      <a:endParaRPr lang="en-US" sz="1200" b="1" i="0" u="none" strike="noStrike" dirty="0">
-                        <a:solidFill>
-                          <a:srgbClr val="000000"/>
-                        </a:solidFill>
-                        <a:effectLst/>
-                        <a:latin typeface="Calibri" charset="0"/>
-                      </a:endParaRPr>
-                    </a:p>
-                  </a:txBody>
-                  <a:tcPr marL="5479" marR="5479" marT="5479" marB="0" anchor="b">
-                    <a:lnL>
-                      <a:noFill/>
-                    </a:lnL>
-                    <a:lnR>
-                      <a:noFill/>
-                    </a:lnR>
-                    <a:lnT>
-                      <a:noFill/>
-                    </a:lnT>
-                    <a:lnB>
-                      <a:noFill/>
-                    </a:lnB>
-                    <a:solidFill>
-                      <a:srgbClr val="D6DCE4"/>
-                    </a:solidFill>
-                  </a:tcPr>
-                </a:tc>
-                <a:tc>
-                  <a:txBody>
-                    <a:bodyPr/>
-                    <a:lstStyle/>
-                    <a:p>
-                      <a:pPr algn="l" fontAlgn="b"/>
-                      <a:r>
-                        <a:rPr lang="en-US" sz="1200" b="0" i="0" u="none" strike="noStrike" dirty="0">
-                          <a:solidFill>
-                            <a:srgbClr val="000000"/>
-                          </a:solidFill>
-                          <a:effectLst/>
-                          <a:latin typeface="Calibri" charset="0"/>
-                        </a:rPr>
-                        <a:t>Distributed Information Systems - An Overview</a:t>
-                      </a:r>
-                    </a:p>
-                  </a:txBody>
-                  <a:tcPr marL="5479" marR="5479" marT="5479" marB="0" anchor="b">
-                    <a:lnL>
-                      <a:noFill/>
-                    </a:lnL>
-                    <a:lnR>
-                      <a:noFill/>
-                    </a:lnR>
-                    <a:lnT>
-                      <a:noFill/>
-                    </a:lnT>
-                    <a:lnB>
-                      <a:noFill/>
-                    </a:lnB>
-                    <a:solidFill>
-                      <a:srgbClr val="D6DCE4"/>
-                    </a:solidFill>
-                  </a:tcPr>
-                </a:tc>
-                <a:extLst>
-                  <a:ext uri="{0D108BD9-81ED-4DB2-BD59-A6C34878D82A}">
-                    <a16:rowId xmlns:a16="http://schemas.microsoft.com/office/drawing/2014/main" val="10001"/>
-                  </a:ext>
-                </a:extLst>
-              </a:tr>
-              <a:tr h="211261">
-                <a:tc>
-                  <a:txBody>
-                    <a:bodyPr/>
-                    <a:lstStyle/>
-                    <a:p>
-                      <a:pPr algn="ctr" fontAlgn="b"/>
-                      <a:r>
-                        <a:rPr lang="en-US" sz="1200" b="0" i="0" u="none" strike="noStrike" dirty="0">
-                          <a:solidFill>
-                            <a:srgbClr val="000000"/>
-                          </a:solidFill>
-                          <a:effectLst/>
-                          <a:latin typeface="Calibri" charset="0"/>
-                        </a:rPr>
-                        <a:t>2</a:t>
-                      </a:r>
-                    </a:p>
-                  </a:txBody>
-                  <a:tcPr marL="5479" marR="5479" marT="5479" marB="0" anchor="b">
-                    <a:lnL>
-                      <a:noFill/>
-                    </a:lnL>
-                    <a:lnR>
-                      <a:noFill/>
-                    </a:lnR>
-                    <a:lnT>
-                      <a:noFill/>
-                    </a:lnT>
-                    <a:lnB>
-                      <a:noFill/>
-                    </a:lnB>
-                    <a:noFill/>
-                  </a:tcPr>
-                </a:tc>
-                <a:tc>
-                  <a:txBody>
-                    <a:bodyPr/>
-                    <a:lstStyle/>
-                    <a:p>
-                      <a:pPr algn="l" fontAlgn="b"/>
-                      <a:r>
-                        <a:rPr lang="en-US" sz="1200" b="0" i="0" u="none" strike="noStrike" dirty="0">
-                          <a:solidFill>
-                            <a:srgbClr val="000000"/>
-                          </a:solidFill>
-                          <a:effectLst/>
-                          <a:latin typeface="Calibri" charset="0"/>
-                        </a:rPr>
-                        <a:t>29 September 2022</a:t>
-                      </a:r>
-                    </a:p>
-                  </a:txBody>
-                  <a:tcPr marL="5479" marR="5479" marT="5479" marB="0" anchor="b">
-                    <a:lnL>
-                      <a:noFill/>
-                    </a:lnL>
-                    <a:lnR>
-                      <a:noFill/>
-                    </a:lnR>
-                    <a:lnT>
-                      <a:noFill/>
-                    </a:lnT>
-                    <a:lnB>
-                      <a:noFill/>
-                    </a:lnB>
-                    <a:noFill/>
-                  </a:tcPr>
-                </a:tc>
-                <a:tc>
-                  <a:txBody>
-                    <a:bodyPr/>
-                    <a:lstStyle/>
-                    <a:p>
-                      <a:pPr algn="l" fontAlgn="b"/>
-                      <a:r>
-                        <a:rPr lang="en-US" sz="1200" b="0" i="0" u="none" strike="noStrike" dirty="0">
-                          <a:solidFill>
-                            <a:srgbClr val="000000"/>
-                          </a:solidFill>
-                          <a:effectLst/>
-                          <a:latin typeface="Arial" charset="0"/>
-                        </a:rPr>
-                        <a:t> </a:t>
-                      </a:r>
-                    </a:p>
-                  </a:txBody>
-                  <a:tcPr marL="5479" marR="5479" marT="10958" marB="10958" anchor="b">
-                    <a:lnL>
-                      <a:noFill/>
-                    </a:lnL>
-                    <a:lnR>
-                      <a:noFill/>
-                    </a:lnR>
-                    <a:lnT>
-                      <a:noFill/>
-                    </a:lnT>
-                    <a:lnB>
-                      <a:noFill/>
-                    </a:lnB>
-                    <a:noFill/>
                   </a:tcPr>
                 </a:tc>
                 <a:tc>
@@ -6512,7 +6343,224 @@
                     <a:lnB>
                       <a:noFill/>
                     </a:lnB>
-                    <a:noFill/>
+                    <a:solidFill>
+                      <a:schemeClr val="bg1">
+                        <a:lumMod val="95000"/>
+                      </a:schemeClr>
+                    </a:solidFill>
+                  </a:tcPr>
+                </a:tc>
+                <a:tc>
+                  <a:txBody>
+                    <a:bodyPr/>
+                    <a:lstStyle/>
+                    <a:p>
+                      <a:pPr algn="l" fontAlgn="b"/>
+                      <a:r>
+                        <a:rPr lang="en-US" sz="1200" b="0" i="0" u="none" strike="noStrike" dirty="0">
+                          <a:solidFill>
+                            <a:srgbClr val="000000"/>
+                          </a:solidFill>
+                          <a:effectLst/>
+                          <a:latin typeface="Calibri" charset="0"/>
+                        </a:rPr>
+                        <a:t>Distributed Information Systems - An Overview</a:t>
+                      </a:r>
+                    </a:p>
+                  </a:txBody>
+                  <a:tcPr marL="5479" marR="5479" marT="5479" marB="0" anchor="b">
+                    <a:lnL>
+                      <a:noFill/>
+                    </a:lnL>
+                    <a:lnR>
+                      <a:noFill/>
+                    </a:lnR>
+                    <a:lnT>
+                      <a:noFill/>
+                    </a:lnT>
+                    <a:lnB>
+                      <a:noFill/>
+                    </a:lnB>
+                    <a:solidFill>
+                      <a:schemeClr val="bg1">
+                        <a:lumMod val="95000"/>
+                      </a:schemeClr>
+                    </a:solidFill>
+                  </a:tcPr>
+                </a:tc>
+                <a:extLst>
+                  <a:ext uri="{0D108BD9-81ED-4DB2-BD59-A6C34878D82A}">
+                    <a16:rowId xmlns:a16="http://schemas.microsoft.com/office/drawing/2014/main" val="10001"/>
+                  </a:ext>
+                </a:extLst>
+              </a:tr>
+              <a:tr h="211261">
+                <a:tc>
+                  <a:txBody>
+                    <a:bodyPr/>
+                    <a:lstStyle/>
+                    <a:p>
+                      <a:pPr algn="ctr" fontAlgn="b"/>
+                      <a:r>
+                        <a:rPr lang="en-US" sz="1200" b="0" i="0" u="none" strike="noStrike" dirty="0">
+                          <a:solidFill>
+                            <a:srgbClr val="000000"/>
+                          </a:solidFill>
+                          <a:effectLst/>
+                          <a:latin typeface="Calibri" charset="0"/>
+                        </a:rPr>
+                        <a:t>2</a:t>
+                      </a:r>
+                    </a:p>
+                  </a:txBody>
+                  <a:tcPr marL="5479" marR="5479" marT="5479" marB="0" anchor="b">
+                    <a:lnL>
+                      <a:noFill/>
+                    </a:lnL>
+                    <a:lnR>
+                      <a:noFill/>
+                    </a:lnR>
+                    <a:lnT>
+                      <a:noFill/>
+                    </a:lnT>
+                    <a:lnB>
+                      <a:noFill/>
+                    </a:lnB>
+                    <a:solidFill>
+                      <a:schemeClr val="bg1">
+                        <a:lumMod val="95000"/>
+                      </a:schemeClr>
+                    </a:solidFill>
+                  </a:tcPr>
+                </a:tc>
+                <a:tc>
+                  <a:txBody>
+                    <a:bodyPr/>
+                    <a:lstStyle/>
+                    <a:p>
+                      <a:pPr algn="l" fontAlgn="b"/>
+                      <a:r>
+                        <a:rPr lang="en-US" sz="1200" b="0" i="0" u="none" strike="noStrike" dirty="0">
+                          <a:solidFill>
+                            <a:srgbClr val="000000"/>
+                          </a:solidFill>
+                          <a:effectLst/>
+                          <a:latin typeface="Calibri" charset="0"/>
+                        </a:rPr>
+                        <a:t>29 September 2022</a:t>
+                      </a:r>
+                    </a:p>
+                  </a:txBody>
+                  <a:tcPr marL="5479" marR="5479" marT="5479" marB="0" anchor="b">
+                    <a:lnL>
+                      <a:noFill/>
+                    </a:lnL>
+                    <a:lnR>
+                      <a:noFill/>
+                    </a:lnR>
+                    <a:lnT>
+                      <a:noFill/>
+                    </a:lnT>
+                    <a:lnB>
+                      <a:noFill/>
+                    </a:lnB>
+                    <a:solidFill>
+                      <a:schemeClr val="bg1">
+                        <a:lumMod val="95000"/>
+                      </a:schemeClr>
+                    </a:solidFill>
+                  </a:tcPr>
+                </a:tc>
+                <a:tc>
+                  <a:txBody>
+                    <a:bodyPr/>
+                    <a:lstStyle/>
+                    <a:p>
+                      <a:pPr algn="l" fontAlgn="b"/>
+                      <a:r>
+                        <a:rPr lang="en-US" sz="1200" b="0" i="0" u="none" strike="noStrike" dirty="0">
+                          <a:solidFill>
+                            <a:srgbClr val="000000"/>
+                          </a:solidFill>
+                          <a:effectLst/>
+                          <a:latin typeface="Arial" charset="0"/>
+                        </a:rPr>
+                        <a:t> </a:t>
+                      </a:r>
+                    </a:p>
+                  </a:txBody>
+                  <a:tcPr marL="5479" marR="5479" marT="10958" marB="10958" anchor="b">
+                    <a:lnL>
+                      <a:noFill/>
+                    </a:lnL>
+                    <a:lnR>
+                      <a:noFill/>
+                    </a:lnR>
+                    <a:lnT>
+                      <a:noFill/>
+                    </a:lnT>
+                    <a:lnB>
+                      <a:noFill/>
+                    </a:lnB>
+                    <a:solidFill>
+                      <a:schemeClr val="bg1">
+                        <a:lumMod val="95000"/>
+                      </a:schemeClr>
+                    </a:solidFill>
+                  </a:tcPr>
+                </a:tc>
+                <a:tc>
+                  <a:txBody>
+                    <a:bodyPr/>
+                    <a:lstStyle/>
+                    <a:p>
+                      <a:pPr marL="0" marR="0" lvl="0" indent="0" algn="l" defTabSz="914400" rtl="0" eaLnBrk="1" fontAlgn="b" latinLnBrk="0" hangingPunct="1">
+                        <a:lnSpc>
+                          <a:spcPct val="100000"/>
+                        </a:lnSpc>
+                        <a:spcBef>
+                          <a:spcPts val="0"/>
+                        </a:spcBef>
+                        <a:spcAft>
+                          <a:spcPts val="0"/>
+                        </a:spcAft>
+                        <a:buClrTx/>
+                        <a:buSzTx/>
+                        <a:buFontTx/>
+                        <a:buNone/>
+                        <a:tabLst/>
+                        <a:defRPr/>
+                      </a:pPr>
+                      <a:r>
+                        <a:rPr lang="en-US" sz="1200" b="1" i="0" u="none" strike="noStrike" dirty="0">
+                          <a:solidFill>
+                            <a:srgbClr val="000000"/>
+                          </a:solidFill>
+                          <a:effectLst/>
+                          <a:latin typeface="Calibri" charset="0"/>
+                        </a:rPr>
+                        <a:t>Information Retrieval</a:t>
+                      </a:r>
+                    </a:p>
+                  </a:txBody>
+                  <a:tcPr marL="5479" marR="5479" marT="5479" marB="0" anchor="b">
+                    <a:lnL>
+                      <a:noFill/>
+                    </a:lnL>
+                    <a:lnR>
+                      <a:noFill/>
+                    </a:lnR>
+                    <a:lnT>
+                      <a:noFill/>
+                    </a:lnT>
+                    <a:lnB>
+                      <a:noFill/>
+                    </a:lnB>
+                    <a:solidFill>
+                      <a:schemeClr val="bg1">
+                        <a:lumMod val="95000"/>
+                      </a:schemeClr>
+                    </a:solidFill>
                   </a:tcPr>
                 </a:tc>
                 <a:tc>
@@ -6546,7 +6594,11 @@
                     <a:lnB>
                       <a:noFill/>
                     </a:lnB>
-                    <a:noFill/>
+                    <a:solidFill>
+                      <a:schemeClr val="bg1">
+                        <a:lumMod val="95000"/>
+                      </a:schemeClr>
+                    </a:solidFill>
                   </a:tcPr>
                 </a:tc>
                 <a:extLst>
@@ -6587,11 +6639,7 @@
                     <a:lnB>
                       <a:noFill/>
                     </a:lnB>
-                    <a:solidFill>
-                      <a:schemeClr val="bg1">
-                        <a:lumMod val="85000"/>
-                      </a:schemeClr>
-                    </a:solidFill>
+                    <a:noFill/>
                   </a:tcPr>
                 </a:tc>
                 <a:tc>
@@ -6625,11 +6673,7 @@
                     <a:lnB>
                       <a:noFill/>
                     </a:lnB>
-                    <a:solidFill>
-                      <a:schemeClr val="bg1">
-                        <a:lumMod val="85000"/>
-                      </a:schemeClr>
-                    </a:solidFill>
+                    <a:noFill/>
                   </a:tcPr>
                 </a:tc>
                 <a:tc>
@@ -6660,721 +6704,7 @@
                     <a:lnB>
                       <a:noFill/>
                     </a:lnB>
-                    <a:solidFill>
-                      <a:schemeClr val="bg1">
-                        <a:lumMod val="85000"/>
-                      </a:schemeClr>
-                    </a:solidFill>
-                  </a:tcPr>
-                </a:tc>
-                <a:tc>
-                  <a:txBody>
-                    <a:bodyPr/>
-                    <a:lstStyle/>
-                    <a:p>
-                      <a:pPr marL="0" marR="0" lvl="0" indent="0" algn="l" defTabSz="914400" rtl="0" eaLnBrk="1" fontAlgn="b" latinLnBrk="0" hangingPunct="1">
-                        <a:lnSpc>
-                          <a:spcPct val="100000"/>
-                        </a:lnSpc>
-                        <a:spcBef>
-                          <a:spcPts val="0"/>
-                        </a:spcBef>
-                        <a:spcAft>
-                          <a:spcPts val="0"/>
-                        </a:spcAft>
-                        <a:buClrTx/>
-                        <a:buSzTx/>
-                        <a:buFontTx/>
-                        <a:buNone/>
-                        <a:tabLst/>
-                        <a:defRPr/>
-                      </a:pPr>
-                      <a:r>
-                        <a:rPr lang="en-US" sz="1200" b="1" i="0" u="none" strike="noStrike">
-                          <a:solidFill>
-                            <a:srgbClr val="000000"/>
-                          </a:solidFill>
-                          <a:effectLst/>
-                          <a:latin typeface="Calibri" charset="0"/>
-                        </a:rPr>
-                        <a:t>Information Retrieval</a:t>
-                      </a:r>
-                    </a:p>
-                  </a:txBody>
-                  <a:tcPr marL="5479" marR="5479" marT="10958" marB="10958" anchor="b">
-                    <a:lnL>
-                      <a:noFill/>
-                    </a:lnL>
-                    <a:lnR>
-                      <a:noFill/>
-                    </a:lnR>
-                    <a:lnT>
-                      <a:noFill/>
-                    </a:lnT>
-                    <a:lnB>
-                      <a:noFill/>
-                    </a:lnB>
-                    <a:solidFill>
-                      <a:schemeClr val="bg1">
-                        <a:lumMod val="85000"/>
-                      </a:schemeClr>
-                    </a:solidFill>
-                  </a:tcPr>
-                </a:tc>
-                <a:tc>
-                  <a:txBody>
-                    <a:bodyPr/>
-                    <a:lstStyle/>
-                    <a:p>
-                      <a:pPr algn="l" fontAlgn="b"/>
-                      <a:r>
-                        <a:rPr lang="en-US" sz="1200" b="0" i="0" u="none" strike="noStrike" dirty="0">
-                          <a:solidFill>
-                            <a:srgbClr val="000000"/>
-                          </a:solidFill>
-                          <a:effectLst/>
-                          <a:latin typeface="Calibri" charset="0"/>
-                        </a:rPr>
-                        <a:t>Probabilistic Retrieval  and Relevance Feedback</a:t>
-                      </a:r>
-                    </a:p>
-                  </a:txBody>
-                  <a:tcPr marL="5479" marR="5479" marT="5479" marB="0" anchor="b">
-                    <a:lnL>
-                      <a:noFill/>
-                    </a:lnL>
-                    <a:lnR>
-                      <a:noFill/>
-                    </a:lnR>
-                    <a:lnT>
-                      <a:noFill/>
-                    </a:lnT>
-                    <a:lnB>
-                      <a:noFill/>
-                    </a:lnB>
-                    <a:solidFill>
-                      <a:schemeClr val="bg1">
-                        <a:lumMod val="85000"/>
-                      </a:schemeClr>
-                    </a:solidFill>
-                  </a:tcPr>
-                </a:tc>
-                <a:extLst>
-                  <a:ext uri="{0D108BD9-81ED-4DB2-BD59-A6C34878D82A}">
-                    <a16:rowId xmlns:a16="http://schemas.microsoft.com/office/drawing/2014/main" val="10003"/>
-                  </a:ext>
-                </a:extLst>
-              </a:tr>
-              <a:tr h="211261">
-                <a:tc>
-                  <a:txBody>
-                    <a:bodyPr/>
-                    <a:lstStyle/>
-                    <a:p>
-                      <a:pPr algn="ctr" fontAlgn="b"/>
-                      <a:r>
-                        <a:rPr lang="en-US" sz="1200" b="0" i="0" u="none" strike="noStrike">
-                          <a:solidFill>
-                            <a:srgbClr val="000000"/>
-                          </a:solidFill>
-                          <a:effectLst/>
-                          <a:latin typeface="Calibri" charset="0"/>
-                        </a:rPr>
-                        <a:t>4</a:t>
-                      </a:r>
-                    </a:p>
-                  </a:txBody>
-                  <a:tcPr marL="5479" marR="5479" marT="5479" marB="0" anchor="b">
-                    <a:lnL>
-                      <a:noFill/>
-                    </a:lnL>
-                    <a:lnR>
-                      <a:noFill/>
-                    </a:lnR>
-                    <a:lnT>
-                      <a:noFill/>
-                    </a:lnT>
-                    <a:lnB>
-                      <a:noFill/>
-                    </a:lnB>
-                  </a:tcPr>
-                </a:tc>
-                <a:tc>
-                  <a:txBody>
-                    <a:bodyPr/>
-                    <a:lstStyle/>
-                    <a:p>
-                      <a:pPr algn="l" fontAlgn="b"/>
-                      <a:r>
-                        <a:rPr lang="en-US" sz="1200" b="0" i="0" u="none" strike="noStrike" dirty="0">
-                          <a:solidFill>
-                            <a:srgbClr val="000000"/>
-                          </a:solidFill>
-                          <a:effectLst/>
-                          <a:latin typeface="Calibri" charset="0"/>
-                        </a:rPr>
-                        <a:t>13 October 2022</a:t>
-                      </a:r>
-                    </a:p>
-                  </a:txBody>
-                  <a:tcPr marL="5479" marR="5479" marT="5479" marB="0" anchor="b">
-                    <a:lnL>
-                      <a:noFill/>
-                    </a:lnL>
-                    <a:lnR>
-                      <a:noFill/>
-                    </a:lnR>
-                    <a:lnT>
-                      <a:noFill/>
-                    </a:lnT>
-                    <a:lnB>
-                      <a:noFill/>
-                    </a:lnB>
-                  </a:tcPr>
-                </a:tc>
-                <a:tc>
-                  <a:txBody>
-                    <a:bodyPr/>
-                    <a:lstStyle/>
-                    <a:p>
-                      <a:pPr algn="l" fontAlgn="b"/>
-                      <a:endParaRPr lang="en-US" sz="1200" b="0" i="0" u="none" strike="noStrike" dirty="0">
-                        <a:solidFill>
-                          <a:srgbClr val="000000"/>
-                        </a:solidFill>
-                        <a:effectLst/>
-                        <a:latin typeface="Calibri" charset="0"/>
-                      </a:endParaRPr>
-                    </a:p>
-                  </a:txBody>
-                  <a:tcPr marL="5479" marR="5479" marT="5479" marB="0" anchor="b">
-                    <a:lnL>
-                      <a:noFill/>
-                    </a:lnL>
-                    <a:lnR>
-                      <a:noFill/>
-                    </a:lnR>
-                    <a:lnT>
-                      <a:noFill/>
-                    </a:lnT>
-                    <a:lnB>
-                      <a:noFill/>
-                    </a:lnB>
-                  </a:tcPr>
-                </a:tc>
-                <a:tc>
-                  <a:txBody>
-                    <a:bodyPr/>
-                    <a:lstStyle/>
-                    <a:p>
-                      <a:pPr algn="l" fontAlgn="b"/>
-                      <a:endParaRPr lang="en-US" sz="1200" b="1" i="0" u="none" strike="noStrike">
-                        <a:solidFill>
-                          <a:srgbClr val="000000"/>
-                        </a:solidFill>
-                        <a:effectLst/>
-                        <a:latin typeface="Arial" charset="0"/>
-                      </a:endParaRPr>
-                    </a:p>
-                  </a:txBody>
-                  <a:tcPr marL="5479" marR="5479" marT="10958" marB="10958" anchor="b">
-                    <a:lnL>
-                      <a:noFill/>
-                    </a:lnL>
-                    <a:lnR>
-                      <a:noFill/>
-                    </a:lnR>
-                    <a:lnT>
-                      <a:noFill/>
-                    </a:lnT>
-                    <a:lnB>
-                      <a:noFill/>
-                    </a:lnB>
-                  </a:tcPr>
-                </a:tc>
-                <a:tc>
-                  <a:txBody>
-                    <a:bodyPr/>
-                    <a:lstStyle/>
-                    <a:p>
-                      <a:pPr algn="l" fontAlgn="b"/>
-                      <a:r>
-                        <a:rPr lang="en-US" sz="1200" b="0" i="0" u="none" strike="noStrike" dirty="0">
-                          <a:solidFill>
-                            <a:srgbClr val="000000"/>
-                          </a:solidFill>
-                          <a:effectLst/>
-                          <a:latin typeface="Calibri" charset="0"/>
-                        </a:rPr>
-                        <a:t>Indexing and Distributed Retrieval</a:t>
-                      </a:r>
-                    </a:p>
-                  </a:txBody>
-                  <a:tcPr marL="5479" marR="5479" marT="5479" marB="0" anchor="b">
-                    <a:lnL>
-                      <a:noFill/>
-                    </a:lnL>
-                    <a:lnR>
-                      <a:noFill/>
-                    </a:lnR>
-                    <a:lnT>
-                      <a:noFill/>
-                    </a:lnT>
-                    <a:lnB>
-                      <a:noFill/>
-                    </a:lnB>
-                  </a:tcPr>
-                </a:tc>
-                <a:extLst>
-                  <a:ext uri="{0D108BD9-81ED-4DB2-BD59-A6C34878D82A}">
-                    <a16:rowId xmlns:a16="http://schemas.microsoft.com/office/drawing/2014/main" val="10004"/>
-                  </a:ext>
-                </a:extLst>
-              </a:tr>
-              <a:tr h="211261">
-                <a:tc>
-                  <a:txBody>
-                    <a:bodyPr/>
-                    <a:lstStyle/>
-                    <a:p>
-                      <a:pPr algn="ctr" fontAlgn="b"/>
-                      <a:r>
-                        <a:rPr lang="en-US" sz="1200" b="0" i="0" u="none" strike="noStrike">
-                          <a:solidFill>
-                            <a:srgbClr val="000000"/>
-                          </a:solidFill>
-                          <a:effectLst/>
-                          <a:latin typeface="Calibri" charset="0"/>
-                        </a:rPr>
-                        <a:t>5</a:t>
-                      </a:r>
-                    </a:p>
-                  </a:txBody>
-                  <a:tcPr marL="5479" marR="5479" marT="5479" marB="0" anchor="b">
-                    <a:lnL>
-                      <a:noFill/>
-                    </a:lnL>
-                    <a:lnR>
-                      <a:noFill/>
-                    </a:lnR>
-                    <a:lnT>
-                      <a:noFill/>
-                    </a:lnT>
-                    <a:lnB>
-                      <a:noFill/>
-                    </a:lnB>
-                  </a:tcPr>
-                </a:tc>
-                <a:tc>
-                  <a:txBody>
-                    <a:bodyPr/>
-                    <a:lstStyle/>
-                    <a:p>
-                      <a:pPr algn="l" fontAlgn="b"/>
-                      <a:r>
-                        <a:rPr lang="en-US" sz="1200" b="0" i="0" u="none" strike="noStrike" dirty="0">
-                          <a:solidFill>
-                            <a:srgbClr val="000000"/>
-                          </a:solidFill>
-                          <a:effectLst/>
-                          <a:latin typeface="Calibri" charset="0"/>
-                        </a:rPr>
-                        <a:t>20 October 2022</a:t>
-                      </a:r>
-                    </a:p>
-                  </a:txBody>
-                  <a:tcPr marL="5479" marR="5479" marT="5479" marB="0" anchor="b">
-                    <a:lnL>
-                      <a:noFill/>
-                    </a:lnL>
-                    <a:lnR>
-                      <a:noFill/>
-                    </a:lnR>
-                    <a:lnT>
-                      <a:noFill/>
-                    </a:lnT>
-                    <a:lnB>
-                      <a:noFill/>
-                    </a:lnB>
-                  </a:tcPr>
-                </a:tc>
-                <a:tc>
-                  <a:txBody>
-                    <a:bodyPr/>
-                    <a:lstStyle/>
-                    <a:p>
-                      <a:pPr algn="l" fontAlgn="b"/>
-                      <a:r>
-                        <a:rPr lang="en-US" sz="1100" b="0" i="0" u="none" strike="noStrike" dirty="0">
-                          <a:solidFill>
-                            <a:srgbClr val="000000"/>
-                          </a:solidFill>
-                          <a:effectLst/>
-                          <a:latin typeface="Arial" charset="0"/>
-                        </a:rPr>
-                        <a:t>Prog.  midterm</a:t>
-                      </a:r>
-                    </a:p>
-                  </a:txBody>
-                  <a:tcPr marL="5479" marR="5479" marT="10958" marB="10958" anchor="b">
-                    <a:lnL>
-                      <a:noFill/>
-                    </a:lnL>
-                    <a:lnR>
-                      <a:noFill/>
-                    </a:lnR>
-                    <a:lnT>
-                      <a:noFill/>
-                    </a:lnT>
-                    <a:lnB>
-                      <a:noFill/>
-                    </a:lnB>
-                  </a:tcPr>
-                </a:tc>
-                <a:tc>
-                  <a:txBody>
-                    <a:bodyPr/>
-                    <a:lstStyle/>
-                    <a:p>
-                      <a:pPr algn="l" fontAlgn="b"/>
-                      <a:endParaRPr lang="en-US" sz="1200" b="1" i="0" u="none" strike="noStrike" dirty="0">
-                        <a:solidFill>
-                          <a:srgbClr val="000000"/>
-                        </a:solidFill>
-                        <a:effectLst/>
-                        <a:latin typeface="Arial" charset="0"/>
-                      </a:endParaRPr>
-                    </a:p>
-                  </a:txBody>
-                  <a:tcPr marL="5479" marR="5479" marT="10958" marB="10958" anchor="b">
-                    <a:lnL>
-                      <a:noFill/>
-                    </a:lnL>
-                    <a:lnR>
-                      <a:noFill/>
-                    </a:lnR>
-                    <a:lnT>
-                      <a:noFill/>
-                    </a:lnT>
-                    <a:lnB>
-                      <a:noFill/>
-                    </a:lnB>
-                  </a:tcPr>
-                </a:tc>
-                <a:tc>
-                  <a:txBody>
-                    <a:bodyPr/>
-                    <a:lstStyle/>
-                    <a:p>
-                      <a:pPr algn="l" fontAlgn="b"/>
-                      <a:r>
-                        <a:rPr lang="en-US" sz="1200" b="0" i="0" u="none" strike="noStrike" dirty="0">
-                          <a:solidFill>
-                            <a:srgbClr val="000000"/>
-                          </a:solidFill>
-                          <a:effectLst/>
-                          <a:latin typeface="Calibri" charset="0"/>
-                        </a:rPr>
-                        <a:t>Embedding Models</a:t>
-                      </a:r>
-                    </a:p>
-                  </a:txBody>
-                  <a:tcPr marL="5479" marR="5479" marT="5479" marB="0" anchor="b">
-                    <a:lnL>
-                      <a:noFill/>
-                    </a:lnL>
-                    <a:lnR>
-                      <a:noFill/>
-                    </a:lnR>
-                    <a:lnT>
-                      <a:noFill/>
-                    </a:lnT>
-                    <a:lnB>
-                      <a:noFill/>
-                    </a:lnB>
-                  </a:tcPr>
-                </a:tc>
-                <a:extLst>
-                  <a:ext uri="{0D108BD9-81ED-4DB2-BD59-A6C34878D82A}">
-                    <a16:rowId xmlns:a16="http://schemas.microsoft.com/office/drawing/2014/main" val="10005"/>
-                  </a:ext>
-                </a:extLst>
-              </a:tr>
-              <a:tr h="208193">
-                <a:tc>
-                  <a:txBody>
-                    <a:bodyPr/>
-                    <a:lstStyle/>
-                    <a:p>
-                      <a:pPr algn="ctr" fontAlgn="b"/>
-                      <a:r>
-                        <a:rPr lang="en-US" sz="1200" b="0" i="0" u="none" strike="noStrike">
-                          <a:solidFill>
-                            <a:srgbClr val="000000"/>
-                          </a:solidFill>
-                          <a:effectLst/>
-                          <a:latin typeface="Calibri" charset="0"/>
-                        </a:rPr>
-                        <a:t>6</a:t>
-                      </a:r>
-                    </a:p>
-                  </a:txBody>
-                  <a:tcPr marL="5479" marR="5479" marT="5479" marB="0" anchor="b">
-                    <a:lnL>
-                      <a:noFill/>
-                    </a:lnL>
-                    <a:lnR>
-                      <a:noFill/>
-                    </a:lnR>
-                    <a:lnT>
-                      <a:noFill/>
-                    </a:lnT>
-                    <a:lnB>
-                      <a:noFill/>
-                    </a:lnB>
                     <a:noFill/>
-                  </a:tcPr>
-                </a:tc>
-                <a:tc>
-                  <a:txBody>
-                    <a:bodyPr/>
-                    <a:lstStyle/>
-                    <a:p>
-                      <a:pPr algn="l" fontAlgn="b"/>
-                      <a:r>
-                        <a:rPr lang="en-US" sz="1200" b="0" i="0" u="none" strike="noStrike" dirty="0">
-                          <a:solidFill>
-                            <a:srgbClr val="000000"/>
-                          </a:solidFill>
-                          <a:effectLst/>
-                          <a:latin typeface="Calibri" charset="0"/>
-                        </a:rPr>
-                        <a:t>27 October 2022</a:t>
-                      </a:r>
-                    </a:p>
-                  </a:txBody>
-                  <a:tcPr marL="5479" marR="5479" marT="5479" marB="0" anchor="b">
-                    <a:lnL>
-                      <a:noFill/>
-                    </a:lnL>
-                    <a:lnR>
-                      <a:noFill/>
-                    </a:lnR>
-                    <a:lnT>
-                      <a:noFill/>
-                    </a:lnT>
-                    <a:lnB>
-                      <a:noFill/>
-                    </a:lnB>
-                    <a:noFill/>
-                  </a:tcPr>
-                </a:tc>
-                <a:tc>
-                  <a:txBody>
-                    <a:bodyPr/>
-                    <a:lstStyle/>
-                    <a:p>
-                      <a:pPr algn="l" fontAlgn="b"/>
-                      <a:endParaRPr lang="en-US" sz="1200" b="0" i="0" u="none" strike="noStrike" dirty="0">
-                        <a:solidFill>
-                          <a:srgbClr val="000000"/>
-                        </a:solidFill>
-                        <a:effectLst/>
-                        <a:latin typeface="Calibri" charset="0"/>
-                      </a:endParaRPr>
-                    </a:p>
-                  </a:txBody>
-                  <a:tcPr marL="5479" marR="5479" marT="5479" marB="0" anchor="b">
-                    <a:lnL>
-                      <a:noFill/>
-                    </a:lnL>
-                    <a:lnR>
-                      <a:noFill/>
-                    </a:lnR>
-                    <a:lnT>
-                      <a:noFill/>
-                    </a:lnT>
-                    <a:lnB>
-                      <a:noFill/>
-                    </a:lnB>
-                    <a:noFill/>
-                  </a:tcPr>
-                </a:tc>
-                <a:tc>
-                  <a:txBody>
-                    <a:bodyPr/>
-                    <a:lstStyle/>
-                    <a:p>
-                      <a:pPr algn="l" fontAlgn="b"/>
-                      <a:endParaRPr lang="en-US" sz="1200" b="1" i="0" u="none" strike="noStrike" dirty="0">
-                        <a:solidFill>
-                          <a:srgbClr val="000000"/>
-                        </a:solidFill>
-                        <a:effectLst/>
-                        <a:latin typeface="Calibri" charset="0"/>
-                      </a:endParaRPr>
-                    </a:p>
-                  </a:txBody>
-                  <a:tcPr marL="5479" marR="5479" marT="5479" marB="0" anchor="b">
-                    <a:lnL>
-                      <a:noFill/>
-                    </a:lnL>
-                    <a:lnR>
-                      <a:noFill/>
-                    </a:lnR>
-                    <a:lnT>
-                      <a:noFill/>
-                    </a:lnT>
-                    <a:lnB>
-                      <a:noFill/>
-                    </a:lnB>
-                    <a:noFill/>
-                  </a:tcPr>
-                </a:tc>
-                <a:tc>
-                  <a:txBody>
-                    <a:bodyPr/>
-                    <a:lstStyle/>
-                    <a:p>
-                      <a:pPr algn="l" fontAlgn="b"/>
-                      <a:r>
-                        <a:rPr lang="en-US" sz="1200" b="0" i="0" u="none" strike="noStrike" dirty="0">
-                          <a:solidFill>
-                            <a:srgbClr val="000000"/>
-                          </a:solidFill>
-                          <a:effectLst/>
-                          <a:latin typeface="Calibri" charset="0"/>
-                        </a:rPr>
-                        <a:t>Link-based ranking</a:t>
-                      </a:r>
-                    </a:p>
-                  </a:txBody>
-                  <a:tcPr marL="5479" marR="5479" marT="5479" marB="0" anchor="b">
-                    <a:lnL>
-                      <a:noFill/>
-                    </a:lnL>
-                    <a:lnR>
-                      <a:noFill/>
-                    </a:lnR>
-                    <a:lnT>
-                      <a:noFill/>
-                    </a:lnT>
-                    <a:lnB>
-                      <a:noFill/>
-                    </a:lnB>
-                    <a:noFill/>
-                  </a:tcPr>
-                </a:tc>
-                <a:extLst>
-                  <a:ext uri="{0D108BD9-81ED-4DB2-BD59-A6C34878D82A}">
-                    <a16:rowId xmlns:a16="http://schemas.microsoft.com/office/drawing/2014/main" val="10006"/>
-                  </a:ext>
-                </a:extLst>
-              </a:tr>
-              <a:tr h="211261">
-                <a:tc>
-                  <a:txBody>
-                    <a:bodyPr/>
-                    <a:lstStyle/>
-                    <a:p>
-                      <a:pPr algn="ctr" fontAlgn="b"/>
-                      <a:r>
-                        <a:rPr lang="en-US" sz="1200" b="0" i="0" u="none" strike="noStrike" dirty="0">
-                          <a:solidFill>
-                            <a:srgbClr val="000000"/>
-                          </a:solidFill>
-                          <a:effectLst/>
-                          <a:latin typeface="Calibri" charset="0"/>
-                        </a:rPr>
-                        <a:t>7</a:t>
-                      </a:r>
-                    </a:p>
-                  </a:txBody>
-                  <a:tcPr marL="5479" marR="5479" marT="5479" marB="0" anchor="b">
-                    <a:lnL>
-                      <a:noFill/>
-                    </a:lnL>
-                    <a:lnR>
-                      <a:noFill/>
-                    </a:lnR>
-                    <a:lnT>
-                      <a:noFill/>
-                    </a:lnT>
-                    <a:lnB>
-                      <a:noFill/>
-                    </a:lnB>
-                    <a:solidFill>
-                      <a:schemeClr val="bg1"/>
-                    </a:solidFill>
-                  </a:tcPr>
-                </a:tc>
-                <a:tc>
-                  <a:txBody>
-                    <a:bodyPr/>
-                    <a:lstStyle/>
-                    <a:p>
-                      <a:pPr algn="l" fontAlgn="b"/>
-                      <a:r>
-                        <a:rPr lang="en-US" sz="1200" b="0" i="0" u="none" strike="noStrike" dirty="0">
-                          <a:solidFill>
-                            <a:srgbClr val="000000"/>
-                          </a:solidFill>
-                          <a:effectLst/>
-                          <a:latin typeface="Calibri" charset="0"/>
-                        </a:rPr>
-                        <a:t>03 November 2022</a:t>
-                      </a:r>
-                    </a:p>
-                  </a:txBody>
-                  <a:tcPr marL="5479" marR="5479" marT="5479" marB="0" anchor="b">
-                    <a:lnL>
-                      <a:noFill/>
-                    </a:lnL>
-                    <a:lnR>
-                      <a:noFill/>
-                    </a:lnR>
-                    <a:lnT>
-                      <a:noFill/>
-                    </a:lnT>
-                    <a:lnB>
-                      <a:noFill/>
-                    </a:lnB>
-                    <a:solidFill>
-                      <a:schemeClr val="bg1"/>
-                    </a:solidFill>
-                  </a:tcPr>
-                </a:tc>
-                <a:tc>
-                  <a:txBody>
-                    <a:bodyPr/>
-                    <a:lstStyle/>
-                    <a:p>
-                      <a:pPr algn="l" fontAlgn="b"/>
-                      <a:endParaRPr lang="en-US" sz="1200" b="0" i="0" u="none" strike="noStrike" dirty="0">
-                        <a:solidFill>
-                          <a:srgbClr val="000000"/>
-                        </a:solidFill>
-                        <a:effectLst/>
-                        <a:latin typeface="Arial" charset="0"/>
-                      </a:endParaRPr>
-                    </a:p>
-                  </a:txBody>
-                  <a:tcPr marL="5479" marR="5479" marT="10958" marB="10958" anchor="b">
-                    <a:lnL>
-                      <a:noFill/>
-                    </a:lnL>
-                    <a:lnR>
-                      <a:noFill/>
-                    </a:lnR>
-                    <a:lnT>
-                      <a:noFill/>
-                    </a:lnT>
-                    <a:lnB>
-                      <a:noFill/>
-                    </a:lnB>
-                    <a:solidFill>
-                      <a:schemeClr val="bg1"/>
-                    </a:solidFill>
                   </a:tcPr>
                 </a:tc>
                 <a:tc>
@@ -7421,9 +6751,448 @@
                     <a:lnB>
                       <a:noFill/>
                     </a:lnB>
-                    <a:solidFill>
-                      <a:schemeClr val="bg1"/>
-                    </a:solidFill>
+                    <a:noFill/>
+                  </a:tcPr>
+                </a:tc>
+                <a:tc>
+                  <a:txBody>
+                    <a:bodyPr/>
+                    <a:lstStyle/>
+                    <a:p>
+                      <a:pPr algn="l" fontAlgn="b"/>
+                      <a:r>
+                        <a:rPr lang="en-US" sz="1200" b="0" i="0" u="none" strike="noStrike" dirty="0">
+                          <a:solidFill>
+                            <a:srgbClr val="000000"/>
+                          </a:solidFill>
+                          <a:effectLst/>
+                          <a:latin typeface="Calibri" charset="0"/>
+                        </a:rPr>
+                        <a:t>Probabilistic Retrieval  and Relevance Feedback</a:t>
+                      </a:r>
+                    </a:p>
+                  </a:txBody>
+                  <a:tcPr marL="5479" marR="5479" marT="5479" marB="0" anchor="b">
+                    <a:lnL>
+                      <a:noFill/>
+                    </a:lnL>
+                    <a:lnR>
+                      <a:noFill/>
+                    </a:lnR>
+                    <a:lnT>
+                      <a:noFill/>
+                    </a:lnT>
+                    <a:lnB>
+                      <a:noFill/>
+                    </a:lnB>
+                    <a:noFill/>
+                  </a:tcPr>
+                </a:tc>
+                <a:extLst>
+                  <a:ext uri="{0D108BD9-81ED-4DB2-BD59-A6C34878D82A}">
+                    <a16:rowId xmlns:a16="http://schemas.microsoft.com/office/drawing/2014/main" val="10003"/>
+                  </a:ext>
+                </a:extLst>
+              </a:tr>
+              <a:tr h="211261">
+                <a:tc>
+                  <a:txBody>
+                    <a:bodyPr/>
+                    <a:lstStyle/>
+                    <a:p>
+                      <a:pPr algn="ctr" fontAlgn="b"/>
+                      <a:r>
+                        <a:rPr lang="en-US" sz="1200" b="0" i="0" u="none" strike="noStrike">
+                          <a:solidFill>
+                            <a:srgbClr val="000000"/>
+                          </a:solidFill>
+                          <a:effectLst/>
+                          <a:latin typeface="Calibri" charset="0"/>
+                        </a:rPr>
+                        <a:t>4</a:t>
+                      </a:r>
+                    </a:p>
+                  </a:txBody>
+                  <a:tcPr marL="5479" marR="5479" marT="5479" marB="0" anchor="b">
+                    <a:lnL>
+                      <a:noFill/>
+                    </a:lnL>
+                    <a:lnR>
+                      <a:noFill/>
+                    </a:lnR>
+                    <a:lnT>
+                      <a:noFill/>
+                    </a:lnT>
+                    <a:lnB>
+                      <a:noFill/>
+                    </a:lnB>
+                  </a:tcPr>
+                </a:tc>
+                <a:tc>
+                  <a:txBody>
+                    <a:bodyPr/>
+                    <a:lstStyle/>
+                    <a:p>
+                      <a:pPr algn="l" fontAlgn="b"/>
+                      <a:r>
+                        <a:rPr lang="en-US" sz="1200" b="0" i="0" u="none" strike="noStrike" dirty="0">
+                          <a:solidFill>
+                            <a:srgbClr val="000000"/>
+                          </a:solidFill>
+                          <a:effectLst/>
+                          <a:latin typeface="Calibri" charset="0"/>
+                        </a:rPr>
+                        <a:t>13 October 2022</a:t>
+                      </a:r>
+                    </a:p>
+                  </a:txBody>
+                  <a:tcPr marL="5479" marR="5479" marT="5479" marB="0" anchor="b">
+                    <a:lnL>
+                      <a:noFill/>
+                    </a:lnL>
+                    <a:lnR>
+                      <a:noFill/>
+                    </a:lnR>
+                    <a:lnT>
+                      <a:noFill/>
+                    </a:lnT>
+                    <a:lnB>
+                      <a:noFill/>
+                    </a:lnB>
+                  </a:tcPr>
+                </a:tc>
+                <a:tc>
+                  <a:txBody>
+                    <a:bodyPr/>
+                    <a:lstStyle/>
+                    <a:p>
+                      <a:pPr algn="l" fontAlgn="b"/>
+                      <a:endParaRPr lang="en-US" sz="1200" b="0" i="0" u="none" strike="noStrike" dirty="0">
+                        <a:solidFill>
+                          <a:srgbClr val="000000"/>
+                        </a:solidFill>
+                        <a:effectLst/>
+                        <a:latin typeface="Calibri" charset="0"/>
+                      </a:endParaRPr>
+                    </a:p>
+                  </a:txBody>
+                  <a:tcPr marL="5479" marR="5479" marT="5479" marB="0" anchor="b">
+                    <a:lnL>
+                      <a:noFill/>
+                    </a:lnL>
+                    <a:lnR>
+                      <a:noFill/>
+                    </a:lnR>
+                    <a:lnT>
+                      <a:noFill/>
+                    </a:lnT>
+                    <a:lnB>
+                      <a:noFill/>
+                    </a:lnB>
+                  </a:tcPr>
+                </a:tc>
+                <a:tc>
+                  <a:txBody>
+                    <a:bodyPr/>
+                    <a:lstStyle/>
+                    <a:p>
+                      <a:pPr algn="l" fontAlgn="b"/>
+                      <a:endParaRPr lang="en-US" sz="1200" b="1" i="0" u="none" strike="noStrike" dirty="0">
+                        <a:solidFill>
+                          <a:srgbClr val="000000"/>
+                        </a:solidFill>
+                        <a:effectLst/>
+                        <a:latin typeface="Arial" charset="0"/>
+                      </a:endParaRPr>
+                    </a:p>
+                  </a:txBody>
+                  <a:tcPr marL="5479" marR="5479" marT="10958" marB="10958" anchor="b">
+                    <a:lnL>
+                      <a:noFill/>
+                    </a:lnL>
+                    <a:lnR>
+                      <a:noFill/>
+                    </a:lnR>
+                    <a:lnT>
+                      <a:noFill/>
+                    </a:lnT>
+                    <a:lnB>
+                      <a:noFill/>
+                    </a:lnB>
+                  </a:tcPr>
+                </a:tc>
+                <a:tc>
+                  <a:txBody>
+                    <a:bodyPr/>
+                    <a:lstStyle/>
+                    <a:p>
+                      <a:pPr algn="l" fontAlgn="b"/>
+                      <a:r>
+                        <a:rPr lang="en-US" sz="1200" b="0" i="0" u="none" strike="noStrike" dirty="0">
+                          <a:solidFill>
+                            <a:srgbClr val="000000"/>
+                          </a:solidFill>
+                          <a:effectLst/>
+                          <a:latin typeface="Calibri" charset="0"/>
+                        </a:rPr>
+                        <a:t>Indexing and Distributed Retrieval</a:t>
+                      </a:r>
+                    </a:p>
+                  </a:txBody>
+                  <a:tcPr marL="5479" marR="5479" marT="5479" marB="0" anchor="b">
+                    <a:lnL>
+                      <a:noFill/>
+                    </a:lnL>
+                    <a:lnR>
+                      <a:noFill/>
+                    </a:lnR>
+                    <a:lnT>
+                      <a:noFill/>
+                    </a:lnT>
+                    <a:lnB>
+                      <a:noFill/>
+                    </a:lnB>
+                  </a:tcPr>
+                </a:tc>
+                <a:extLst>
+                  <a:ext uri="{0D108BD9-81ED-4DB2-BD59-A6C34878D82A}">
+                    <a16:rowId xmlns:a16="http://schemas.microsoft.com/office/drawing/2014/main" val="10004"/>
+                  </a:ext>
+                </a:extLst>
+              </a:tr>
+              <a:tr h="211261">
+                <a:tc>
+                  <a:txBody>
+                    <a:bodyPr/>
+                    <a:lstStyle/>
+                    <a:p>
+                      <a:pPr algn="ctr" fontAlgn="b"/>
+                      <a:r>
+                        <a:rPr lang="en-US" sz="1200" b="0" i="0" u="none" strike="noStrike">
+                          <a:solidFill>
+                            <a:srgbClr val="000000"/>
+                          </a:solidFill>
+                          <a:effectLst/>
+                          <a:latin typeface="Calibri" charset="0"/>
+                        </a:rPr>
+                        <a:t>5</a:t>
+                      </a:r>
+                    </a:p>
+                  </a:txBody>
+                  <a:tcPr marL="5479" marR="5479" marT="5479" marB="0" anchor="b">
+                    <a:lnL>
+                      <a:noFill/>
+                    </a:lnL>
+                    <a:lnR>
+                      <a:noFill/>
+                    </a:lnR>
+                    <a:lnT>
+                      <a:noFill/>
+                    </a:lnT>
+                    <a:lnB>
+                      <a:noFill/>
+                    </a:lnB>
+                  </a:tcPr>
+                </a:tc>
+                <a:tc>
+                  <a:txBody>
+                    <a:bodyPr/>
+                    <a:lstStyle/>
+                    <a:p>
+                      <a:pPr algn="l" fontAlgn="b"/>
+                      <a:r>
+                        <a:rPr lang="en-US" sz="1200" b="0" i="0" u="none" strike="noStrike" dirty="0">
+                          <a:solidFill>
+                            <a:srgbClr val="000000"/>
+                          </a:solidFill>
+                          <a:effectLst/>
+                          <a:latin typeface="Calibri" charset="0"/>
+                        </a:rPr>
+                        <a:t>20 October 2022</a:t>
+                      </a:r>
+                    </a:p>
+                  </a:txBody>
+                  <a:tcPr marL="5479" marR="5479" marT="5479" marB="0" anchor="b">
+                    <a:lnL>
+                      <a:noFill/>
+                    </a:lnL>
+                    <a:lnR>
+                      <a:noFill/>
+                    </a:lnR>
+                    <a:lnT>
+                      <a:noFill/>
+                    </a:lnT>
+                    <a:lnB>
+                      <a:noFill/>
+                    </a:lnB>
+                  </a:tcPr>
+                </a:tc>
+                <a:tc>
+                  <a:txBody>
+                    <a:bodyPr/>
+                    <a:lstStyle/>
+                    <a:p>
+                      <a:pPr algn="l" fontAlgn="b"/>
+                      <a:endParaRPr lang="en-US" sz="1100" b="0" i="0" u="none" strike="noStrike" dirty="0">
+                        <a:solidFill>
+                          <a:srgbClr val="000000"/>
+                        </a:solidFill>
+                        <a:effectLst/>
+                        <a:latin typeface="Arial" charset="0"/>
+                      </a:endParaRPr>
+                    </a:p>
+                  </a:txBody>
+                  <a:tcPr marL="5479" marR="5479" marT="10958" marB="10958" anchor="b">
+                    <a:lnL>
+                      <a:noFill/>
+                    </a:lnL>
+                    <a:lnR>
+                      <a:noFill/>
+                    </a:lnR>
+                    <a:lnT>
+                      <a:noFill/>
+                    </a:lnT>
+                    <a:lnB>
+                      <a:noFill/>
+                    </a:lnB>
+                  </a:tcPr>
+                </a:tc>
+                <a:tc>
+                  <a:txBody>
+                    <a:bodyPr/>
+                    <a:lstStyle/>
+                    <a:p>
+                      <a:pPr algn="l" fontAlgn="b"/>
+                      <a:endParaRPr lang="en-US" sz="1200" b="1" i="0" u="none" strike="noStrike" dirty="0">
+                        <a:solidFill>
+                          <a:srgbClr val="000000"/>
+                        </a:solidFill>
+                        <a:effectLst/>
+                        <a:latin typeface="Arial" charset="0"/>
+                      </a:endParaRPr>
+                    </a:p>
+                  </a:txBody>
+                  <a:tcPr marL="5479" marR="5479" marT="10958" marB="10958" anchor="b">
+                    <a:lnL>
+                      <a:noFill/>
+                    </a:lnL>
+                    <a:lnR>
+                      <a:noFill/>
+                    </a:lnR>
+                    <a:lnT>
+                      <a:noFill/>
+                    </a:lnT>
+                    <a:lnB>
+                      <a:noFill/>
+                    </a:lnB>
+                  </a:tcPr>
+                </a:tc>
+                <a:tc>
+                  <a:txBody>
+                    <a:bodyPr/>
+                    <a:lstStyle/>
+                    <a:p>
+                      <a:pPr algn="l" fontAlgn="b"/>
+                      <a:r>
+                        <a:rPr lang="en-US" sz="1200" b="0" i="0" u="none" strike="noStrike" dirty="0">
+                          <a:solidFill>
+                            <a:srgbClr val="000000"/>
+                          </a:solidFill>
+                          <a:effectLst/>
+                          <a:latin typeface="Calibri" charset="0"/>
+                        </a:rPr>
+                        <a:t>Embedding Models</a:t>
+                      </a:r>
+                    </a:p>
+                  </a:txBody>
+                  <a:tcPr marL="5479" marR="5479" marT="5479" marB="0" anchor="b">
+                    <a:lnL>
+                      <a:noFill/>
+                    </a:lnL>
+                    <a:lnR>
+                      <a:noFill/>
+                    </a:lnR>
+                    <a:lnT>
+                      <a:noFill/>
+                    </a:lnT>
+                    <a:lnB>
+                      <a:noFill/>
+                    </a:lnB>
+                  </a:tcPr>
+                </a:tc>
+                <a:extLst>
+                  <a:ext uri="{0D108BD9-81ED-4DB2-BD59-A6C34878D82A}">
+                    <a16:rowId xmlns:a16="http://schemas.microsoft.com/office/drawing/2014/main" val="10005"/>
+                  </a:ext>
+                </a:extLst>
+              </a:tr>
+              <a:tr h="208193">
+                <a:tc>
+                  <a:txBody>
+                    <a:bodyPr/>
+                    <a:lstStyle/>
+                    <a:p>
+                      <a:pPr algn="ctr" fontAlgn="b"/>
+                      <a:r>
+                        <a:rPr lang="en-US" sz="1200" b="0" i="0" u="none" strike="noStrike">
+                          <a:solidFill>
+                            <a:srgbClr val="000000"/>
+                          </a:solidFill>
+                          <a:effectLst/>
+                          <a:latin typeface="Calibri" charset="0"/>
+                        </a:rPr>
+                        <a:t>6</a:t>
+                      </a:r>
+                    </a:p>
+                  </a:txBody>
+                  <a:tcPr marL="5479" marR="5479" marT="5479" marB="0" anchor="b">
+                    <a:lnL>
+                      <a:noFill/>
+                    </a:lnL>
+                    <a:lnR>
+                      <a:noFill/>
+                    </a:lnR>
+                    <a:lnT>
+                      <a:noFill/>
+                    </a:lnT>
+                    <a:lnB>
+                      <a:noFill/>
+                    </a:lnB>
+                    <a:noFill/>
+                  </a:tcPr>
+                </a:tc>
+                <a:tc>
+                  <a:txBody>
+                    <a:bodyPr/>
+                    <a:lstStyle/>
+                    <a:p>
+                      <a:pPr algn="l" fontAlgn="b"/>
+                      <a:r>
+                        <a:rPr lang="en-US" sz="1200" b="0" i="0" u="none" strike="noStrike" dirty="0">
+                          <a:solidFill>
+                            <a:srgbClr val="000000"/>
+                          </a:solidFill>
+                          <a:effectLst/>
+                          <a:latin typeface="Calibri" charset="0"/>
+                        </a:rPr>
+                        <a:t>27 October 2022</a:t>
+                      </a:r>
+                    </a:p>
+                  </a:txBody>
+                  <a:tcPr marL="5479" marR="5479" marT="5479" marB="0" anchor="b">
+                    <a:lnL>
+                      <a:noFill/>
+                    </a:lnL>
+                    <a:lnR>
+                      <a:noFill/>
+                    </a:lnR>
+                    <a:lnT>
+                      <a:noFill/>
+                    </a:lnT>
+                    <a:lnB>
+                      <a:noFill/>
+                    </a:lnB>
+                    <a:noFill/>
                   </a:tcPr>
                 </a:tc>
                 <a:tc>
@@ -7454,9 +7223,9 @@
                             <a:srgbClr val="000000"/>
                           </a:solidFill>
                           <a:effectLst/>
-                          <a:latin typeface="Calibri" charset="0"/>
+                          <a:latin typeface="Arial" charset="0"/>
                         </a:rPr>
-                        <a:t>Graph Mining</a:t>
+                        <a:t>Prog. midterm</a:t>
                       </a:r>
                     </a:p>
                   </a:txBody>
@@ -7473,14 +7242,95 @@
                     <a:lnB>
                       <a:noFill/>
                     </a:lnB>
-                    <a:solidFill>
-                      <a:schemeClr val="bg1"/>
-                    </a:solidFill>
+                    <a:noFill/>
+                  </a:tcPr>
+                </a:tc>
+                <a:tc>
+                  <a:txBody>
+                    <a:bodyPr/>
+                    <a:lstStyle/>
+                    <a:p>
+                      <a:pPr marL="0" marR="0" lvl="0" indent="0" algn="l" defTabSz="914400" rtl="0" eaLnBrk="1" fontAlgn="b" latinLnBrk="0" hangingPunct="1">
+                        <a:lnSpc>
+                          <a:spcPct val="100000"/>
+                        </a:lnSpc>
+                        <a:spcBef>
+                          <a:spcPts val="0"/>
+                        </a:spcBef>
+                        <a:spcAft>
+                          <a:spcPts val="0"/>
+                        </a:spcAft>
+                        <a:buClrTx/>
+                        <a:buSzTx/>
+                        <a:buFontTx/>
+                        <a:buNone/>
+                        <a:tabLst/>
+                        <a:defRPr/>
+                      </a:pPr>
+                      <a:endParaRPr lang="en-US" sz="1200" b="1" i="0" u="none" strike="noStrike" kern="1200" dirty="0">
+                        <a:solidFill>
+                          <a:srgbClr val="000000"/>
+                        </a:solidFill>
+                        <a:effectLst/>
+                        <a:latin typeface="Calibri" charset="0"/>
+                        <a:ea typeface="+mn-ea"/>
+                        <a:cs typeface="+mn-cs"/>
+                      </a:endParaRPr>
+                    </a:p>
+                  </a:txBody>
+                  <a:tcPr marL="5479" marR="5479" marT="5479" marB="0" anchor="b">
+                    <a:lnL>
+                      <a:noFill/>
+                    </a:lnL>
+                    <a:lnR>
+                      <a:noFill/>
+                    </a:lnR>
+                    <a:lnT>
+                      <a:noFill/>
+                    </a:lnT>
+                    <a:lnB>
+                      <a:noFill/>
+                    </a:lnB>
+                    <a:noFill/>
+                  </a:tcPr>
+                </a:tc>
+                <a:tc>
+                  <a:txBody>
+                    <a:bodyPr/>
+                    <a:lstStyle/>
+                    <a:p>
+                      <a:pPr algn="l" fontAlgn="b"/>
+                      <a:r>
+                        <a:rPr lang="en-US" sz="1200" b="0" i="0" u="none" strike="noStrike" dirty="0">
+                          <a:solidFill>
+                            <a:srgbClr val="000000"/>
+                          </a:solidFill>
+                          <a:effectLst/>
+                          <a:latin typeface="Calibri" charset="0"/>
+                        </a:rPr>
+                        <a:t>Link-based ranking</a:t>
+                      </a:r>
+                    </a:p>
+                  </a:txBody>
+                  <a:tcPr marL="5479" marR="5479" marT="5479" marB="0" anchor="b">
+                    <a:lnL>
+                      <a:noFill/>
+                    </a:lnL>
+                    <a:lnR>
+                      <a:noFill/>
+                    </a:lnR>
+                    <a:lnT>
+                      <a:noFill/>
+                    </a:lnT>
+                    <a:lnB>
+                      <a:noFill/>
+                    </a:lnB>
+                    <a:noFill/>
                   </a:tcPr>
                 </a:tc>
                 <a:extLst>
                   <a:ext uri="{0D108BD9-81ED-4DB2-BD59-A6C34878D82A}">
-                    <a16:rowId xmlns:a16="http://schemas.microsoft.com/office/drawing/2014/main" val="10007"/>
+                    <a16:rowId xmlns:a16="http://schemas.microsoft.com/office/drawing/2014/main" val="10006"/>
                   </a:ext>
                 </a:extLst>
               </a:tr>
@@ -7499,7 +7349,7 @@
                           <a:effectLst/>
                           <a:latin typeface="Calibri" charset="0"/>
                         </a:rPr>
-                        <a:t>8</a:t>
+                        <a:t>7</a:t>
                       </a:r>
                     </a:p>
                   </a:txBody>
@@ -7518,7 +7368,7 @@
                     </a:lnB>
                     <a:solidFill>
                       <a:schemeClr val="bg1">
-                        <a:lumMod val="85000"/>
+                        <a:lumMod val="95000"/>
                       </a:schemeClr>
                     </a:solidFill>
                   </a:tcPr>
@@ -7537,7 +7387,7 @@
                           <a:effectLst/>
                           <a:latin typeface="Calibri" charset="0"/>
                         </a:rPr>
-                        <a:t>10 November 2022</a:t>
+                        <a:t>03 November 2022</a:t>
                       </a:r>
                     </a:p>
                   </a:txBody>
@@ -7556,7 +7406,7 @@
                     </a:lnB>
                     <a:solidFill>
                       <a:schemeClr val="bg1">
-                        <a:lumMod val="85000"/>
+                        <a:lumMod val="95000"/>
                       </a:schemeClr>
                     </a:solidFill>
                   </a:tcPr>
@@ -7567,7 +7417,7 @@
                     <a:lstStyle/>
                     <a:p>
                       <a:pPr algn="l" fontAlgn="b"/>
-                      <a:endParaRPr lang="en-US" sz="1100" b="0" i="0" u="none" strike="noStrike" dirty="0">
+                      <a:endParaRPr lang="en-US" sz="1200" b="0" i="0" u="none" strike="noStrike" dirty="0">
                         <a:solidFill>
                           <a:srgbClr val="000000"/>
                         </a:solidFill>
@@ -7591,7 +7441,7 @@
                     </a:lnB>
                     <a:solidFill>
                       <a:schemeClr val="bg1">
-                        <a:lumMod val="85000"/>
+                        <a:lumMod val="95000"/>
                       </a:schemeClr>
                     </a:solidFill>
                   </a:tcPr>
@@ -7647,9 +7497,218 @@
                     </a:lnB>
                     <a:solidFill>
                       <a:schemeClr val="bg1">
-                        <a:lumMod val="85000"/>
+                        <a:lumMod val="95000"/>
                       </a:schemeClr>
                     </a:solidFill>
+                  </a:tcPr>
+                </a:tc>
+                <a:tc>
+                  <a:txBody>
+                    <a:bodyPr/>
+                    <a:lstStyle/>
+                    <a:p>
+                      <a:pPr marL="0" marR="0" lvl="0" indent="0" algn="l" defTabSz="914400" rtl="0" eaLnBrk="1" fontAlgn="b" latinLnBrk="0" hangingPunct="1">
+                        <a:lnSpc>
+                          <a:spcPct val="100000"/>
+                        </a:lnSpc>
+                        <a:spcBef>
+                          <a:spcPts val="0"/>
+                        </a:spcBef>
+                        <a:spcAft>
+                          <a:spcPts val="0"/>
+                        </a:spcAft>
+                        <a:buClrTx/>
+                        <a:buSzTx/>
+                        <a:buFontTx/>
+                        <a:buNone/>
+                        <a:tabLst/>
+                        <a:defRPr/>
+                      </a:pPr>
+                      <a:r>
+                        <a:rPr lang="en-US" sz="1200" b="0" i="0" u="none" strike="noStrike" dirty="0">
+                          <a:solidFill>
+                            <a:srgbClr val="000000"/>
+                          </a:solidFill>
+                          <a:effectLst/>
+                          <a:latin typeface="Calibri" charset="0"/>
+                        </a:rPr>
+                        <a:t>Graph Mining</a:t>
+                      </a:r>
+                    </a:p>
+                  </a:txBody>
+                  <a:tcPr marL="5479" marR="5479" marT="5479" marB="0" anchor="b">
+                    <a:lnL>
+                      <a:noFill/>
+                    </a:lnL>
+                    <a:lnR>
+                      <a:noFill/>
+                    </a:lnR>
+                    <a:lnT>
+                      <a:noFill/>
+                    </a:lnT>
+                    <a:lnB>
+                      <a:noFill/>
+                    </a:lnB>
+                    <a:solidFill>
+                      <a:schemeClr val="bg1">
+                        <a:lumMod val="95000"/>
+                      </a:schemeClr>
+                    </a:solidFill>
+                  </a:tcPr>
+                </a:tc>
+                <a:extLst>
+                  <a:ext uri="{0D108BD9-81ED-4DB2-BD59-A6C34878D82A}">
+                    <a16:rowId xmlns:a16="http://schemas.microsoft.com/office/drawing/2014/main" val="10007"/>
+                  </a:ext>
+                </a:extLst>
+              </a:tr>
+              <a:tr h="211261">
+                <a:tc>
+                  <a:txBody>
+                    <a:bodyPr/>
+                    <a:lstStyle/>
+                    <a:p>
+                      <a:pPr algn="ctr" fontAlgn="b"/>
+                      <a:r>
+                        <a:rPr lang="en-US" sz="1200" b="0" i="0" u="none" strike="noStrike" dirty="0">
+                          <a:solidFill>
+                            <a:srgbClr val="000000"/>
+                          </a:solidFill>
+                          <a:effectLst/>
+                          <a:latin typeface="Calibri" charset="0"/>
+                        </a:rPr>
+                        <a:t>8</a:t>
+                      </a:r>
+                    </a:p>
+                  </a:txBody>
+                  <a:tcPr marL="5479" marR="5479" marT="5479" marB="0" anchor="b">
+                    <a:lnL>
+                      <a:noFill/>
+                    </a:lnL>
+                    <a:lnR>
+                      <a:noFill/>
+                    </a:lnR>
+                    <a:lnT>
+                      <a:noFill/>
+                    </a:lnT>
+                    <a:lnB>
+                      <a:noFill/>
+                    </a:lnB>
+                    <a:noFill/>
+                  </a:tcPr>
+                </a:tc>
+                <a:tc>
+                  <a:txBody>
+                    <a:bodyPr/>
+                    <a:lstStyle/>
+                    <a:p>
+                      <a:pPr algn="l" fontAlgn="b"/>
+                      <a:r>
+                        <a:rPr lang="en-US" sz="1200" b="0" i="0" u="none" strike="noStrike" dirty="0">
+                          <a:solidFill>
+                            <a:srgbClr val="000000"/>
+                          </a:solidFill>
+                          <a:effectLst/>
+                          <a:latin typeface="Calibri" charset="0"/>
+                        </a:rPr>
+                        <a:t>10 November 2022</a:t>
+                      </a:r>
+                    </a:p>
+                  </a:txBody>
+                  <a:tcPr marL="5479" marR="5479" marT="5479" marB="0" anchor="b">
+                    <a:lnL>
+                      <a:noFill/>
+                    </a:lnL>
+                    <a:lnR>
+                      <a:noFill/>
+                    </a:lnR>
+                    <a:lnT>
+                      <a:noFill/>
+                    </a:lnT>
+                    <a:lnB>
+                      <a:noFill/>
+                    </a:lnB>
+                    <a:noFill/>
+                  </a:tcPr>
+                </a:tc>
+                <a:tc>
+                  <a:txBody>
+                    <a:bodyPr/>
+                    <a:lstStyle/>
+                    <a:p>
+                      <a:pPr algn="l" fontAlgn="b"/>
+                      <a:endParaRPr lang="en-US" sz="1100" b="0" i="0" u="none" strike="noStrike" dirty="0">
+                        <a:solidFill>
+                          <a:srgbClr val="000000"/>
+                        </a:solidFill>
+                        <a:effectLst/>
+                        <a:latin typeface="Arial" charset="0"/>
+                      </a:endParaRPr>
+                    </a:p>
+                  </a:txBody>
+                  <a:tcPr marL="5479" marR="5479" marT="10958" marB="10958" anchor="b">
+                    <a:lnL>
+                      <a:noFill/>
+                    </a:lnL>
+                    <a:lnR>
+                      <a:noFill/>
+                    </a:lnR>
+                    <a:lnT>
+                      <a:noFill/>
+                    </a:lnT>
+                    <a:lnB>
+                      <a:noFill/>
+                    </a:lnB>
+                    <a:noFill/>
+                  </a:tcPr>
+                </a:tc>
+                <a:tc>
+                  <a:txBody>
+                    <a:bodyPr/>
+                    <a:lstStyle/>
+                    <a:p>
+                      <a:pPr marL="0" marR="0" lvl="0" indent="0" algn="l" defTabSz="914400" rtl="0" eaLnBrk="1" fontAlgn="b" latinLnBrk="0" hangingPunct="1">
+                        <a:lnSpc>
+                          <a:spcPct val="100000"/>
+                        </a:lnSpc>
+                        <a:spcBef>
+                          <a:spcPts val="0"/>
+                        </a:spcBef>
+                        <a:spcAft>
+                          <a:spcPts val="0"/>
+                        </a:spcAft>
+                        <a:buClrTx/>
+                        <a:buSzTx/>
+                        <a:buFontTx/>
+                        <a:buNone/>
+                        <a:tabLst/>
+                        <a:defRPr/>
+                      </a:pPr>
+                      <a:endParaRPr lang="en-US" sz="1200" b="1" i="0" u="none" strike="noStrike" kern="1200" dirty="0">
+                        <a:solidFill>
+                          <a:srgbClr val="000000"/>
+                        </a:solidFill>
+                        <a:effectLst/>
+                        <a:latin typeface="Calibri" charset="0"/>
+                        <a:ea typeface="+mn-ea"/>
+                        <a:cs typeface="+mn-cs"/>
+                      </a:endParaRPr>
+                    </a:p>
+                  </a:txBody>
+                  <a:tcPr marL="5479" marR="5479" marT="10958" marB="10958" anchor="b">
+                    <a:lnL>
+                      <a:noFill/>
+                    </a:lnL>
+                    <a:lnR>
+                      <a:noFill/>
+                    </a:lnR>
+                    <a:lnT>
+                      <a:noFill/>
+                    </a:lnT>
+                    <a:lnB>
+                      <a:noFill/>
+                    </a:lnB>
+                    <a:noFill/>
                   </a:tcPr>
                 </a:tc>
                 <a:tc>
@@ -7683,11 +7742,7 @@
                     <a:lnB>
                       <a:noFill/>
                     </a:lnB>
-                    <a:solidFill>
-                      <a:schemeClr val="bg1">
-                        <a:lumMod val="85000"/>
-                      </a:schemeClr>
-                    </a:solidFill>
+                    <a:noFill/>
                   </a:tcPr>
                 </a:tc>
                 <a:extLst>
@@ -7789,16 +7844,6 @@
                     <a:lstStyle/>
                     <a:p>
                       <a:pPr algn="l" fontAlgn="b"/>
-                      <a:r>
-                        <a:rPr lang="en-US" sz="1200" b="0" i="0" u="none" strike="noStrike" dirty="0">
-                          <a:solidFill>
-                            <a:srgbClr val="000000"/>
-                          </a:solidFill>
-                          <a:effectLst/>
-                          <a:latin typeface="Calibri" charset="0"/>
-                        </a:rPr>
-                        <a:t>Quiz</a:t>
-                      </a:r>
                       <a:endParaRPr lang="en-US" sz="1200" b="0" i="0" u="none" strike="noStrike" dirty="0">
                         <a:solidFill>
                           <a:srgbClr val="000000"/>
@@ -8087,7 +8132,7 @@
                     <a:p>
                       <a:pPr marL="0" algn="ctr" defTabSz="914400" rtl="0" eaLnBrk="1" fontAlgn="b" latinLnBrk="0" hangingPunct="1"/>
                       <a:r>
-                        <a:rPr lang="en-US" sz="1200" b="0" i="0" u="none" strike="noStrike" kern="1200">
+                        <a:rPr lang="en-US" sz="1200" b="0" i="0" u="none" strike="noStrike" kern="1200" dirty="0">
                           <a:solidFill>
                             <a:srgbClr val="000000"/>
                           </a:solidFill>
@@ -8113,7 +8158,11 @@
                     <a:lnB>
                       <a:noFill/>
                     </a:lnB>
-                    <a:noFill/>
+                    <a:solidFill>
+                      <a:schemeClr val="bg1">
+                        <a:lumMod val="95000"/>
+                      </a:schemeClr>
+                    </a:solidFill>
                   </a:tcPr>
                 </a:tc>
                 <a:tc>
@@ -8149,7 +8198,11 @@
                     <a:lnB>
                       <a:noFill/>
                     </a:lnB>
-                    <a:noFill/>
+                    <a:solidFill>
+                      <a:schemeClr val="bg1">
+                        <a:lumMod val="95000"/>
+                      </a:schemeClr>
+                    </a:solidFill>
                   </a:tcPr>
                 </a:tc>
                 <a:tc>
@@ -8158,7 +8211,7 @@
                     <a:lstStyle/>
                     <a:p>
                       <a:pPr marL="0" algn="ctr" defTabSz="914400" rtl="0" eaLnBrk="1" fontAlgn="b" latinLnBrk="0" hangingPunct="1"/>
-                      <a:endParaRPr lang="en-US" sz="1200" b="0" i="0" u="none" strike="noStrike" kern="1200">
+                      <a:endParaRPr lang="en-US" sz="1200" b="0" i="0" u="none" strike="noStrike" kern="1200" dirty="0">
                         <a:solidFill>
                           <a:srgbClr val="000000"/>
                         </a:solidFill>
@@ -8182,7 +8235,11 @@
                     <a:lnB>
                       <a:noFill/>
                     </a:lnB>
-                    <a:noFill/>
+                    <a:solidFill>
+                      <a:schemeClr val="bg1">
+                        <a:lumMod val="95000"/>
+                      </a:schemeClr>
+                    </a:solidFill>
                   </a:tcPr>
                 </a:tc>
                 <a:tc>
@@ -8207,15 +8264,18 @@
                         <a:tabLst/>
                         <a:defRPr/>
                       </a:pPr>
-                      <a:endParaRPr lang="en-US" sz="1200" b="1" i="0" u="none" strike="noStrike" kern="1200">
-                        <a:solidFill>
-                          <a:srgbClr val="000000"/>
-                        </a:solidFill>
-                        <a:effectLst/>
-                        <a:latin typeface="Calibri" charset="0"/>
-                        <a:ea typeface="+mn-ea"/>
-                        <a:cs typeface="+mn-cs"/>
-                      </a:endParaRPr>
+                      <a:r>
+                        <a:rPr lang="en-US" sz="1200" b="1" i="0" u="none" strike="noStrike" kern="1200" dirty="0">
+                          <a:solidFill>
+                            <a:srgbClr val="000000"/>
+                          </a:solidFill>
+                          <a:effectLst/>
+                          <a:latin typeface="Calibri" charset="0"/>
+                          <a:ea typeface="+mn-ea"/>
+                          <a:cs typeface="+mn-cs"/>
+                        </a:rPr>
+                        <a:t>From Documents to Knowledge</a:t>
+                      </a:r>
                     </a:p>
                   </a:txBody>
                   <a:tcPr marL="5479" marR="5479" marT="10958" marB="10958" anchor="b">
@@ -8231,7 +8291,11 @@
                     <a:lnB>
                       <a:noFill/>
                     </a:lnB>
-                    <a:noFill/>
+                    <a:solidFill>
+                      <a:schemeClr val="bg1">
+                        <a:lumMod val="95000"/>
+                      </a:schemeClr>
+                    </a:solidFill>
                   </a:tcPr>
                 </a:tc>
                 <a:tc>
@@ -8283,7 +8347,11 @@
                     <a:lnB>
                       <a:noFill/>
                     </a:lnB>
-                    <a:noFill/>
+                    <a:solidFill>
+                      <a:schemeClr val="bg1">
+                        <a:lumMod val="95000"/>
+                      </a:schemeClr>
+                    </a:solidFill>
                   </a:tcPr>
                 </a:tc>
                 <a:extLst>
@@ -8300,7 +8368,7 @@
                     <a:p>
                       <a:pPr algn="ctr" fontAlgn="b"/>
                       <a:r>
-                        <a:rPr lang="en-US" sz="1200" b="0" i="0" u="none" strike="noStrike">
+                        <a:rPr lang="en-US" sz="1200" b="0" i="0" u="none" strike="noStrike" dirty="0">
                           <a:solidFill>
                             <a:srgbClr val="000000"/>
                           </a:solidFill>
@@ -8324,11 +8392,7 @@
                     <a:lnB>
                       <a:noFill/>
                     </a:lnB>
-                    <a:solidFill>
-                      <a:schemeClr val="bg1">
-                        <a:lumMod val="85000"/>
-                      </a:schemeClr>
-                    </a:solidFill>
+                    <a:noFill/>
                   </a:tcPr>
                 </a:tc>
                 <a:tc>
@@ -8362,11 +8426,7 @@
                     <a:lnB>
                       <a:noFill/>
                     </a:lnB>
-                    <a:solidFill>
-                      <a:schemeClr val="bg1">
-                        <a:lumMod val="85000"/>
-                      </a:schemeClr>
-                    </a:solidFill>
+                    <a:noFill/>
                   </a:tcPr>
                 </a:tc>
                 <a:tc>
@@ -8397,11 +8457,7 @@
                     <a:lnB>
                       <a:noFill/>
                     </a:lnB>
-                    <a:solidFill>
-                      <a:schemeClr val="bg1">
-                        <a:lumMod val="85000"/>
-                      </a:schemeClr>
-                    </a:solidFill>
+                    <a:noFill/>
                   </a:tcPr>
                 </a:tc>
                 <a:tc>
@@ -8426,18 +8482,15 @@
                         <a:tabLst/>
                         <a:defRPr/>
                       </a:pPr>
-                      <a:r>
-                        <a:rPr lang="en-US" sz="1200" b="1" i="0" u="none" strike="noStrike" kern="1200">
-                          <a:solidFill>
-                            <a:srgbClr val="000000"/>
-                          </a:solidFill>
-                          <a:effectLst/>
-                          <a:latin typeface="Calibri" charset="0"/>
-                          <a:ea typeface="+mn-ea"/>
-                          <a:cs typeface="+mn-cs"/>
-                        </a:rPr>
-                        <a:t>From Documents to Knowledge</a:t>
-                      </a:r>
+                      <a:endParaRPr lang="en-US" sz="1200" b="1" i="0" u="none" strike="noStrike" kern="1200" dirty="0">
+                        <a:solidFill>
+                          <a:srgbClr val="000000"/>
+                        </a:solidFill>
+                        <a:effectLst/>
+                        <a:latin typeface="Calibri" charset="0"/>
+                        <a:ea typeface="+mn-ea"/>
+                        <a:cs typeface="+mn-cs"/>
+                      </a:endParaRPr>
                     </a:p>
                   </a:txBody>
                   <a:tcPr marL="5479" marR="5479" marT="10958" marB="10958" anchor="b">
@@ -8453,11 +8506,7 @@
                     <a:lnB>
                       <a:noFill/>
                     </a:lnB>
-                    <a:solidFill>
-                      <a:schemeClr val="bg1">
-                        <a:lumMod val="85000"/>
-                      </a:schemeClr>
-                    </a:solidFill>
+                    <a:noFill/>
                   </a:tcPr>
                 </a:tc>
                 <a:tc>
@@ -8491,11 +8540,7 @@
                     <a:lnB>
                       <a:noFill/>
                     </a:lnB>
-                    <a:solidFill>
-                      <a:schemeClr val="bg1">
-                        <a:lumMod val="85000"/>
-                      </a:schemeClr>
-                    </a:solidFill>
+                    <a:noFill/>
                   </a:tcPr>
                 </a:tc>
                 <a:extLst>
@@ -11415,15 +11460,20 @@
           <a:p>
             <a:pPr lvl="2"/>
             <a:r>
-              <a:rPr lang="fr-CH" dirty="0">
+              <a:rPr lang="en-GB" b="0" i="0" dirty="0">
+                <a:effectLst/>
+                <a:latin typeface="Helvetica" pitchFamily="2" charset="0"/>
                 <a:hlinkClick r:id="rId3"/>
               </a:rPr>
-              <a:t>https://epfl.zoom.us/j/96988744528 </a:t>
-            </a:r>
-            <a:endParaRPr lang="fr-CH" dirty="0"/>
-          </a:p>
-          <a:p>
-            <a:pPr lvl="1"/>
+              <a:t>https://epfl.zoom.us/j/66237387610</a:t>
+            </a:r>
+            <a:endParaRPr lang="en-GB" b="0" i="0" dirty="0">
+              <a:effectLst/>
+              <a:latin typeface="Helvetica" pitchFamily="2" charset="0"/>
+            </a:endParaRPr>
+          </a:p>
+          <a:p>
+            <a:pPr lvl="2"/>
             <a:r>
               <a:rPr lang="en-US" dirty="0"/>
               <a:t>Zoom QA tool to ask questions</a:t>
